--- a/2025_job_talk_ucla/dags_comp_events.pptx
+++ b/2025_job_talk_ucla/dags_comp_events.pptx
@@ -9,6 +9,7 @@
     <p:sldId id="258" r:id="rId3"/>
     <p:sldId id="259" r:id="rId4"/>
     <p:sldId id="260" r:id="rId5"/>
+    <p:sldId id="261" r:id="rId6"/>
   </p:sldIdLst>
   <p:sldSz cx="8229600" cy="2743200"/>
   <p:notesSz cx="6858000" cy="9144000"/>
@@ -246,7 +247,7 @@
           <a:p>
             <a:fld id="{C79AF42C-B26B-4C32-A5AB-A04DBFD71CC5}" type="datetimeFigureOut">
               <a:rPr lang="en-US" smtClean="0"/>
-              <a:t>2/27/2025</a:t>
+              <a:t>3/4/2025</a:t>
             </a:fld>
             <a:endParaRPr lang="en-US"/>
           </a:p>
@@ -416,7 +417,7 @@
           <a:p>
             <a:fld id="{C79AF42C-B26B-4C32-A5AB-A04DBFD71CC5}" type="datetimeFigureOut">
               <a:rPr lang="en-US" smtClean="0"/>
-              <a:t>2/27/2025</a:t>
+              <a:t>3/4/2025</a:t>
             </a:fld>
             <a:endParaRPr lang="en-US"/>
           </a:p>
@@ -596,7 +597,7 @@
           <a:p>
             <a:fld id="{C79AF42C-B26B-4C32-A5AB-A04DBFD71CC5}" type="datetimeFigureOut">
               <a:rPr lang="en-US" smtClean="0"/>
-              <a:t>2/27/2025</a:t>
+              <a:t>3/4/2025</a:t>
             </a:fld>
             <a:endParaRPr lang="en-US"/>
           </a:p>
@@ -766,7 +767,7 @@
           <a:p>
             <a:fld id="{C79AF42C-B26B-4C32-A5AB-A04DBFD71CC5}" type="datetimeFigureOut">
               <a:rPr lang="en-US" smtClean="0"/>
-              <a:t>2/27/2025</a:t>
+              <a:t>3/4/2025</a:t>
             </a:fld>
             <a:endParaRPr lang="en-US"/>
           </a:p>
@@ -1012,7 +1013,7 @@
           <a:p>
             <a:fld id="{C79AF42C-B26B-4C32-A5AB-A04DBFD71CC5}" type="datetimeFigureOut">
               <a:rPr lang="en-US" smtClean="0"/>
-              <a:t>2/27/2025</a:t>
+              <a:t>3/4/2025</a:t>
             </a:fld>
             <a:endParaRPr lang="en-US"/>
           </a:p>
@@ -1244,7 +1245,7 @@
           <a:p>
             <a:fld id="{C79AF42C-B26B-4C32-A5AB-A04DBFD71CC5}" type="datetimeFigureOut">
               <a:rPr lang="en-US" smtClean="0"/>
-              <a:t>2/27/2025</a:t>
+              <a:t>3/4/2025</a:t>
             </a:fld>
             <a:endParaRPr lang="en-US"/>
           </a:p>
@@ -1611,7 +1612,7 @@
           <a:p>
             <a:fld id="{C79AF42C-B26B-4C32-A5AB-A04DBFD71CC5}" type="datetimeFigureOut">
               <a:rPr lang="en-US" smtClean="0"/>
-              <a:t>2/27/2025</a:t>
+              <a:t>3/4/2025</a:t>
             </a:fld>
             <a:endParaRPr lang="en-US"/>
           </a:p>
@@ -1729,7 +1730,7 @@
           <a:p>
             <a:fld id="{C79AF42C-B26B-4C32-A5AB-A04DBFD71CC5}" type="datetimeFigureOut">
               <a:rPr lang="en-US" smtClean="0"/>
-              <a:t>2/27/2025</a:t>
+              <a:t>3/4/2025</a:t>
             </a:fld>
             <a:endParaRPr lang="en-US"/>
           </a:p>
@@ -1824,7 +1825,7 @@
           <a:p>
             <a:fld id="{C79AF42C-B26B-4C32-A5AB-A04DBFD71CC5}" type="datetimeFigureOut">
               <a:rPr lang="en-US" smtClean="0"/>
-              <a:t>2/27/2025</a:t>
+              <a:t>3/4/2025</a:t>
             </a:fld>
             <a:endParaRPr lang="en-US"/>
           </a:p>
@@ -2101,7 +2102,7 @@
           <a:p>
             <a:fld id="{C79AF42C-B26B-4C32-A5AB-A04DBFD71CC5}" type="datetimeFigureOut">
               <a:rPr lang="en-US" smtClean="0"/>
-              <a:t>2/27/2025</a:t>
+              <a:t>3/4/2025</a:t>
             </a:fld>
             <a:endParaRPr lang="en-US"/>
           </a:p>
@@ -2358,7 +2359,7 @@
           <a:p>
             <a:fld id="{C79AF42C-B26B-4C32-A5AB-A04DBFD71CC5}" type="datetimeFigureOut">
               <a:rPr lang="en-US" smtClean="0"/>
-              <a:t>2/27/2025</a:t>
+              <a:t>3/4/2025</a:t>
             </a:fld>
             <a:endParaRPr lang="en-US"/>
           </a:p>
@@ -2571,7 +2572,7 @@
           <a:p>
             <a:fld id="{C79AF42C-B26B-4C32-A5AB-A04DBFD71CC5}" type="datetimeFigureOut">
               <a:rPr lang="en-US" smtClean="0"/>
-              <a:t>2/27/2025</a:t>
+              <a:t>3/4/2025</a:t>
             </a:fld>
             <a:endParaRPr lang="en-US"/>
           </a:p>
@@ -4694,6 +4695,486 @@
 </p:sld>
 </file>
 
+<file path=ppt/slides/slide5.xml><?xml version="1.0" encoding="utf-8"?>
+<p:sld xmlns:a="http://schemas.openxmlformats.org/drawingml/2006/main" xmlns:r="http://schemas.openxmlformats.org/officeDocument/2006/relationships" xmlns:p="http://schemas.openxmlformats.org/presentationml/2006/main">
+  <p:cSld>
+    <p:spTree>
+      <p:nvGrpSpPr>
+        <p:cNvPr id="1" name="">
+          <a:extLst>
+            <a:ext uri="{FF2B5EF4-FFF2-40B4-BE49-F238E27FC236}">
+              <a16:creationId xmlns:a16="http://schemas.microsoft.com/office/drawing/2014/main" id="{D2D4F080-A5A4-61E0-B089-2FB1779C84B2}"/>
+            </a:ext>
+          </a:extLst>
+        </p:cNvPr>
+        <p:cNvGrpSpPr/>
+        <p:nvPr/>
+      </p:nvGrpSpPr>
+      <p:grpSpPr>
+        <a:xfrm>
+          <a:off x="0" y="0"/>
+          <a:ext cx="0" cy="0"/>
+          <a:chOff x="0" y="0"/>
+          <a:chExt cx="0" cy="0"/>
+        </a:xfrm>
+      </p:grpSpPr>
+      <p:sp>
+        <p:nvSpPr>
+          <p:cNvPr id="2" name="TextBox 1">
+            <a:extLst>
+              <a:ext uri="{FF2B5EF4-FFF2-40B4-BE49-F238E27FC236}">
+                <a16:creationId xmlns:a16="http://schemas.microsoft.com/office/drawing/2014/main" id="{5339CFF8-448F-CABF-FAB2-25941517BFA9}"/>
+              </a:ext>
+            </a:extLst>
+          </p:cNvPr>
+          <p:cNvSpPr txBox="1"/>
+          <p:nvPr/>
+        </p:nvSpPr>
+        <p:spPr>
+          <a:xfrm>
+            <a:off x="957072" y="703183"/>
+            <a:ext cx="1552028" cy="584775"/>
+          </a:xfrm>
+          <a:prstGeom prst="rect">
+            <a:avLst/>
+          </a:prstGeom>
+          <a:noFill/>
+        </p:spPr>
+        <p:txBody>
+          <a:bodyPr wrap="none" rtlCol="0">
+            <a:spAutoFit/>
+          </a:bodyPr>
+          <a:lstStyle/>
+          <a:p>
+            <a:r>
+              <a:rPr lang="es-BO" sz="3200" dirty="0">
+                <a:latin typeface="Arial" panose="020B0604020202020204" pitchFamily="34" charset="0"/>
+                <a:cs typeface="Arial" panose="020B0604020202020204" pitchFamily="34" charset="0"/>
+              </a:rPr>
+              <a:t>Racism</a:t>
+            </a:r>
+            <a:endParaRPr lang="en-US" sz="3200" dirty="0">
+              <a:latin typeface="Arial" panose="020B0604020202020204" pitchFamily="34" charset="0"/>
+              <a:cs typeface="Arial" panose="020B0604020202020204" pitchFamily="34" charset="0"/>
+            </a:endParaRPr>
+          </a:p>
+        </p:txBody>
+      </p:sp>
+      <p:sp>
+        <p:nvSpPr>
+          <p:cNvPr id="3" name="TextBox 2">
+            <a:extLst>
+              <a:ext uri="{FF2B5EF4-FFF2-40B4-BE49-F238E27FC236}">
+                <a16:creationId xmlns:a16="http://schemas.microsoft.com/office/drawing/2014/main" id="{F0BAAB01-BAA1-5E20-7B63-2A761879260E}"/>
+              </a:ext>
+            </a:extLst>
+          </p:cNvPr>
+          <p:cNvSpPr txBox="1"/>
+          <p:nvPr/>
+        </p:nvSpPr>
+        <p:spPr>
+          <a:xfrm>
+            <a:off x="3377989" y="749895"/>
+            <a:ext cx="1864394" cy="584775"/>
+          </a:xfrm>
+          <a:prstGeom prst="rect">
+            <a:avLst/>
+          </a:prstGeom>
+          <a:noFill/>
+          <a:ln w="28575">
+            <a:solidFill>
+              <a:schemeClr val="accent1"/>
+            </a:solidFill>
+          </a:ln>
+        </p:spPr>
+        <p:txBody>
+          <a:bodyPr wrap="square" rtlCol="0">
+            <a:spAutoFit/>
+          </a:bodyPr>
+          <a:lstStyle/>
+          <a:p>
+            <a:pPr algn="ctr"/>
+            <a:r>
+              <a:rPr lang="es-BO" sz="3200" dirty="0" err="1">
+                <a:latin typeface="Arial" panose="020B0604020202020204" pitchFamily="34" charset="0"/>
+                <a:cs typeface="Arial" panose="020B0604020202020204" pitchFamily="34" charset="0"/>
+              </a:rPr>
+              <a:t>Death</a:t>
+            </a:r>
+            <a:endParaRPr lang="en-US" sz="3200" baseline="-25000" dirty="0">
+              <a:latin typeface="Arial" panose="020B0604020202020204" pitchFamily="34" charset="0"/>
+              <a:cs typeface="Arial" panose="020B0604020202020204" pitchFamily="34" charset="0"/>
+            </a:endParaRPr>
+          </a:p>
+        </p:txBody>
+      </p:sp>
+      <p:sp>
+        <p:nvSpPr>
+          <p:cNvPr id="4" name="TextBox 3">
+            <a:extLst>
+              <a:ext uri="{FF2B5EF4-FFF2-40B4-BE49-F238E27FC236}">
+                <a16:creationId xmlns:a16="http://schemas.microsoft.com/office/drawing/2014/main" id="{3F6E2E78-42C0-729C-9B4D-4172A0329102}"/>
+              </a:ext>
+            </a:extLst>
+          </p:cNvPr>
+          <p:cNvSpPr txBox="1"/>
+          <p:nvPr/>
+        </p:nvSpPr>
+        <p:spPr>
+          <a:xfrm>
+            <a:off x="6023222" y="687852"/>
+            <a:ext cx="1938351" cy="584775"/>
+          </a:xfrm>
+          <a:prstGeom prst="rect">
+            <a:avLst/>
+          </a:prstGeom>
+          <a:noFill/>
+        </p:spPr>
+        <p:txBody>
+          <a:bodyPr wrap="none" rtlCol="0">
+            <a:spAutoFit/>
+          </a:bodyPr>
+          <a:lstStyle/>
+          <a:p>
+            <a:pPr algn="ctr"/>
+            <a:r>
+              <a:rPr lang="es-BO" sz="3200" dirty="0">
+                <a:latin typeface="Arial" panose="020B0604020202020204" pitchFamily="34" charset="0"/>
+                <a:cs typeface="Arial" panose="020B0604020202020204" pitchFamily="34" charset="0"/>
+              </a:rPr>
+              <a:t>Dementia</a:t>
+            </a:r>
+            <a:endParaRPr lang="en-US" sz="3200" baseline="-25000" dirty="0">
+              <a:latin typeface="Arial" panose="020B0604020202020204" pitchFamily="34" charset="0"/>
+              <a:cs typeface="Arial" panose="020B0604020202020204" pitchFamily="34" charset="0"/>
+            </a:endParaRPr>
+          </a:p>
+        </p:txBody>
+      </p:sp>
+      <p:sp>
+        <p:nvSpPr>
+          <p:cNvPr id="5" name="TextBox 4">
+            <a:extLst>
+              <a:ext uri="{FF2B5EF4-FFF2-40B4-BE49-F238E27FC236}">
+                <a16:creationId xmlns:a16="http://schemas.microsoft.com/office/drawing/2014/main" id="{5E1F7814-C939-4550-AFDB-8F88D2262DB6}"/>
+              </a:ext>
+            </a:extLst>
+          </p:cNvPr>
+          <p:cNvSpPr txBox="1"/>
+          <p:nvPr/>
+        </p:nvSpPr>
+        <p:spPr>
+          <a:xfrm>
+            <a:off x="5749718" y="1814966"/>
+            <a:ext cx="547008" cy="584775"/>
+          </a:xfrm>
+          <a:prstGeom prst="rect">
+            <a:avLst/>
+          </a:prstGeom>
+          <a:noFill/>
+          <a:ln w="28575">
+            <a:solidFill>
+              <a:schemeClr val="accent1"/>
+            </a:solidFill>
+          </a:ln>
+        </p:spPr>
+        <p:txBody>
+          <a:bodyPr wrap="square" rtlCol="0">
+            <a:spAutoFit/>
+          </a:bodyPr>
+          <a:lstStyle/>
+          <a:p>
+            <a:pPr algn="ctr"/>
+            <a:r>
+              <a:rPr lang="es-BO" sz="3200" b="1" dirty="0">
+                <a:latin typeface="Arial" panose="020B0604020202020204" pitchFamily="34" charset="0"/>
+                <a:cs typeface="Arial" panose="020B0604020202020204" pitchFamily="34" charset="0"/>
+              </a:rPr>
+              <a:t>C</a:t>
+            </a:r>
+            <a:endParaRPr lang="en-US" sz="3200" b="1" dirty="0">
+              <a:latin typeface="Arial" panose="020B0604020202020204" pitchFamily="34" charset="0"/>
+              <a:cs typeface="Arial" panose="020B0604020202020204" pitchFamily="34" charset="0"/>
+            </a:endParaRPr>
+          </a:p>
+        </p:txBody>
+      </p:sp>
+      <p:cxnSp>
+        <p:nvCxnSpPr>
+          <p:cNvPr id="12" name="Straight Arrow Connector 11">
+            <a:extLst>
+              <a:ext uri="{FF2B5EF4-FFF2-40B4-BE49-F238E27FC236}">
+                <a16:creationId xmlns:a16="http://schemas.microsoft.com/office/drawing/2014/main" id="{236C0EF8-0699-5AB4-2F54-26D254171867}"/>
+              </a:ext>
+            </a:extLst>
+          </p:cNvPr>
+          <p:cNvCxnSpPr>
+            <a:cxnSpLocks/>
+            <a:stCxn id="5" idx="1"/>
+            <a:endCxn id="3" idx="2"/>
+          </p:cNvCxnSpPr>
+          <p:nvPr/>
+        </p:nvCxnSpPr>
+        <p:spPr>
+          <a:xfrm flipH="1" flipV="1">
+            <a:off x="4310186" y="1334670"/>
+            <a:ext cx="1439532" cy="772684"/>
+          </a:xfrm>
+          <a:prstGeom prst="straightConnector1">
+            <a:avLst/>
+          </a:prstGeom>
+          <a:ln w="28575">
+            <a:prstDash val="dash"/>
+            <a:tailEnd type="triangle"/>
+          </a:ln>
+        </p:spPr>
+        <p:style>
+          <a:lnRef idx="1">
+            <a:schemeClr val="dk1"/>
+          </a:lnRef>
+          <a:fillRef idx="0">
+            <a:schemeClr val="dk1"/>
+          </a:fillRef>
+          <a:effectRef idx="0">
+            <a:schemeClr val="dk1"/>
+          </a:effectRef>
+          <a:fontRef idx="minor">
+            <a:schemeClr val="tx1"/>
+          </a:fontRef>
+        </p:style>
+      </p:cxnSp>
+      <p:cxnSp>
+        <p:nvCxnSpPr>
+          <p:cNvPr id="24" name="Connector: Curved 23">
+            <a:extLst>
+              <a:ext uri="{FF2B5EF4-FFF2-40B4-BE49-F238E27FC236}">
+                <a16:creationId xmlns:a16="http://schemas.microsoft.com/office/drawing/2014/main" id="{53756EAD-0ABA-04B4-7DC1-6BD717E9ED6E}"/>
+              </a:ext>
+            </a:extLst>
+          </p:cNvPr>
+          <p:cNvCxnSpPr>
+            <a:cxnSpLocks/>
+            <a:stCxn id="2" idx="0"/>
+            <a:endCxn id="4" idx="0"/>
+          </p:cNvCxnSpPr>
+          <p:nvPr/>
+        </p:nvCxnSpPr>
+        <p:spPr>
+          <a:xfrm rot="5400000" flipH="1" flipV="1">
+            <a:off x="4355077" y="-1934138"/>
+            <a:ext cx="15331" cy="5259312"/>
+          </a:xfrm>
+          <a:prstGeom prst="curvedConnector3">
+            <a:avLst>
+              <a:gd name="adj1" fmla="val 1591096"/>
+            </a:avLst>
+          </a:prstGeom>
+          <a:ln w="28575">
+            <a:solidFill>
+              <a:schemeClr val="tx1"/>
+            </a:solidFill>
+            <a:tailEnd type="triangle"/>
+          </a:ln>
+        </p:spPr>
+        <p:style>
+          <a:lnRef idx="1">
+            <a:schemeClr val="dk1"/>
+          </a:lnRef>
+          <a:fillRef idx="0">
+            <a:schemeClr val="dk1"/>
+          </a:fillRef>
+          <a:effectRef idx="0">
+            <a:schemeClr val="dk1"/>
+          </a:effectRef>
+          <a:fontRef idx="minor">
+            <a:schemeClr val="tx1"/>
+          </a:fontRef>
+        </p:style>
+      </p:cxnSp>
+      <p:cxnSp>
+        <p:nvCxnSpPr>
+          <p:cNvPr id="19" name="Straight Arrow Connector 18">
+            <a:extLst>
+              <a:ext uri="{FF2B5EF4-FFF2-40B4-BE49-F238E27FC236}">
+                <a16:creationId xmlns:a16="http://schemas.microsoft.com/office/drawing/2014/main" id="{6FE88C65-C09C-6FD9-5598-2E6FBE27069C}"/>
+              </a:ext>
+            </a:extLst>
+          </p:cNvPr>
+          <p:cNvCxnSpPr>
+            <a:cxnSpLocks/>
+            <a:stCxn id="5" idx="3"/>
+            <a:endCxn id="4" idx="2"/>
+          </p:cNvCxnSpPr>
+          <p:nvPr/>
+        </p:nvCxnSpPr>
+        <p:spPr>
+          <a:xfrm flipV="1">
+            <a:off x="6296726" y="1272627"/>
+            <a:ext cx="695672" cy="834727"/>
+          </a:xfrm>
+          <a:prstGeom prst="straightConnector1">
+            <a:avLst/>
+          </a:prstGeom>
+          <a:ln w="28575">
+            <a:prstDash val="dash"/>
+            <a:tailEnd type="triangle"/>
+          </a:ln>
+        </p:spPr>
+        <p:style>
+          <a:lnRef idx="1">
+            <a:schemeClr val="dk1"/>
+          </a:lnRef>
+          <a:fillRef idx="0">
+            <a:schemeClr val="dk1"/>
+          </a:fillRef>
+          <a:effectRef idx="0">
+            <a:schemeClr val="dk1"/>
+          </a:effectRef>
+          <a:fontRef idx="minor">
+            <a:schemeClr val="tx1"/>
+          </a:fontRef>
+        </p:style>
+      </p:cxnSp>
+      <p:cxnSp>
+        <p:nvCxnSpPr>
+          <p:cNvPr id="28" name="Straight Arrow Connector 27">
+            <a:extLst>
+              <a:ext uri="{FF2B5EF4-FFF2-40B4-BE49-F238E27FC236}">
+                <a16:creationId xmlns:a16="http://schemas.microsoft.com/office/drawing/2014/main" id="{DDC1C8B1-D660-0313-53D4-D1AC094CDF0D}"/>
+              </a:ext>
+            </a:extLst>
+          </p:cNvPr>
+          <p:cNvCxnSpPr>
+            <a:cxnSpLocks/>
+          </p:cNvCxnSpPr>
+          <p:nvPr/>
+        </p:nvCxnSpPr>
+        <p:spPr>
+          <a:xfrm flipV="1">
+            <a:off x="2509100" y="1042282"/>
+            <a:ext cx="806882" cy="2514"/>
+          </a:xfrm>
+          <a:prstGeom prst="straightConnector1">
+            <a:avLst/>
+          </a:prstGeom>
+          <a:ln w="28575">
+            <a:tailEnd type="triangle"/>
+          </a:ln>
+        </p:spPr>
+        <p:style>
+          <a:lnRef idx="1">
+            <a:schemeClr val="dk1"/>
+          </a:lnRef>
+          <a:fillRef idx="0">
+            <a:schemeClr val="dk1"/>
+          </a:fillRef>
+          <a:effectRef idx="0">
+            <a:schemeClr val="dk1"/>
+          </a:effectRef>
+          <a:fontRef idx="minor">
+            <a:schemeClr val="tx1"/>
+          </a:fontRef>
+        </p:style>
+      </p:cxnSp>
+      <p:cxnSp>
+        <p:nvCxnSpPr>
+          <p:cNvPr id="6" name="Connector: Curved 5">
+            <a:extLst>
+              <a:ext uri="{FF2B5EF4-FFF2-40B4-BE49-F238E27FC236}">
+                <a16:creationId xmlns:a16="http://schemas.microsoft.com/office/drawing/2014/main" id="{77047FB3-A353-C0D5-1A1C-3F672EAF8653}"/>
+              </a:ext>
+            </a:extLst>
+          </p:cNvPr>
+          <p:cNvCxnSpPr>
+            <a:cxnSpLocks/>
+            <a:stCxn id="2" idx="2"/>
+          </p:cNvCxnSpPr>
+          <p:nvPr/>
+        </p:nvCxnSpPr>
+        <p:spPr>
+          <a:xfrm rot="16200000" flipH="1">
+            <a:off x="3117072" y="-96028"/>
+            <a:ext cx="915492" cy="3683464"/>
+          </a:xfrm>
+          <a:prstGeom prst="curvedConnector2">
+            <a:avLst/>
+          </a:prstGeom>
+          <a:ln w="28575">
+            <a:solidFill>
+              <a:schemeClr val="tx1"/>
+            </a:solidFill>
+            <a:tailEnd type="triangle"/>
+          </a:ln>
+        </p:spPr>
+        <p:style>
+          <a:lnRef idx="1">
+            <a:schemeClr val="dk1"/>
+          </a:lnRef>
+          <a:fillRef idx="0">
+            <a:schemeClr val="dk1"/>
+          </a:fillRef>
+          <a:effectRef idx="0">
+            <a:schemeClr val="dk1"/>
+          </a:effectRef>
+          <a:fontRef idx="minor">
+            <a:schemeClr val="tx1"/>
+          </a:fontRef>
+        </p:style>
+      </p:cxnSp>
+      <p:cxnSp>
+        <p:nvCxnSpPr>
+          <p:cNvPr id="18" name="Straight Arrow Connector 17">
+            <a:extLst>
+              <a:ext uri="{FF2B5EF4-FFF2-40B4-BE49-F238E27FC236}">
+                <a16:creationId xmlns:a16="http://schemas.microsoft.com/office/drawing/2014/main" id="{011F11FF-267D-2644-083E-A0DE2877DC26}"/>
+              </a:ext>
+            </a:extLst>
+          </p:cNvPr>
+          <p:cNvCxnSpPr>
+            <a:cxnSpLocks/>
+          </p:cNvCxnSpPr>
+          <p:nvPr/>
+        </p:nvCxnSpPr>
+        <p:spPr>
+          <a:xfrm flipV="1">
+            <a:off x="5332322" y="995571"/>
+            <a:ext cx="806882" cy="2514"/>
+          </a:xfrm>
+          <a:prstGeom prst="straightConnector1">
+            <a:avLst/>
+          </a:prstGeom>
+          <a:ln w="28575">
+            <a:tailEnd type="triangle"/>
+          </a:ln>
+        </p:spPr>
+        <p:style>
+          <a:lnRef idx="1">
+            <a:schemeClr val="dk1"/>
+          </a:lnRef>
+          <a:fillRef idx="0">
+            <a:schemeClr val="dk1"/>
+          </a:fillRef>
+          <a:effectRef idx="0">
+            <a:schemeClr val="dk1"/>
+          </a:effectRef>
+          <a:fontRef idx="minor">
+            <a:schemeClr val="tx1"/>
+          </a:fontRef>
+        </p:style>
+      </p:cxnSp>
+    </p:spTree>
+    <p:extLst>
+      <p:ext uri="{BB962C8B-B14F-4D97-AF65-F5344CB8AC3E}">
+        <p14:creationId xmlns:p14="http://schemas.microsoft.com/office/powerpoint/2010/main" val="1982945525"/>
+      </p:ext>
+    </p:extLst>
+  </p:cSld>
+  <p:clrMapOvr>
+    <a:masterClrMapping/>
+  </p:clrMapOvr>
+</p:sld>
+</file>
+
 <file path=ppt/theme/theme1.xml><?xml version="1.0" encoding="utf-8"?>
 <a:theme xmlns:a="http://schemas.openxmlformats.org/drawingml/2006/main" name="Office 2013 - 2022 Theme">
   <a:themeElements>
